--- a/aws.pptx
+++ b/aws.pptx
@@ -5,7 +5,7 @@
     <p:sldMasterId id="2147483678" r:id="rId1"/>
   </p:sldMasterIdLst>
   <p:notesMasterIdLst>
-    <p:notesMasterId r:id="rId8"/>
+    <p:notesMasterId r:id="rId9"/>
   </p:notesMasterIdLst>
   <p:sldIdLst>
     <p:sldId id="256" r:id="rId2"/>
@@ -13,7 +13,8 @@
     <p:sldId id="258" r:id="rId4"/>
     <p:sldId id="259" r:id="rId5"/>
     <p:sldId id="260" r:id="rId6"/>
-    <p:sldId id="261" r:id="rId7"/>
+    <p:sldId id="262" r:id="rId7"/>
+    <p:sldId id="261" r:id="rId8"/>
   </p:sldIdLst>
   <p:sldSz cx="12192000" cy="6858000"/>
   <p:notesSz cx="6858000" cy="9144000"/>
@@ -202,7 +203,7 @@
           <a:p>
             <a:fld id="{C8BEFB06-0355-47C0-BB9B-416010EFE4C3}" type="datetimeFigureOut">
               <a:rPr lang="en-IN" smtClean="0"/>
-              <a:t>25-05-2020</a:t>
+              <a:t>27-05-2020</a:t>
             </a:fld>
             <a:endParaRPr lang="en-IN"/>
           </a:p>
@@ -1056,7 +1057,7 @@
           <a:p>
             <a:fld id="{4EC8CB78-0433-4C91-B579-AD35DD274D7A}" type="datetimeFigureOut">
               <a:rPr lang="en-IN" smtClean="0"/>
-              <a:t>25-05-2020</a:t>
+              <a:t>27-05-2020</a:t>
             </a:fld>
             <a:endParaRPr lang="en-IN"/>
           </a:p>
@@ -1352,7 +1353,7 @@
           <a:p>
             <a:fld id="{4EC8CB78-0433-4C91-B579-AD35DD274D7A}" type="datetimeFigureOut">
               <a:rPr lang="en-IN" smtClean="0"/>
-              <a:t>25-05-2020</a:t>
+              <a:t>27-05-2020</a:t>
             </a:fld>
             <a:endParaRPr lang="en-IN"/>
           </a:p>
@@ -1600,7 +1601,7 @@
           <a:p>
             <a:fld id="{4EC8CB78-0433-4C91-B579-AD35DD274D7A}" type="datetimeFigureOut">
               <a:rPr lang="en-IN" smtClean="0"/>
-              <a:t>25-05-2020</a:t>
+              <a:t>27-05-2020</a:t>
             </a:fld>
             <a:endParaRPr lang="en-IN"/>
           </a:p>
@@ -2140,7 +2141,7 @@
           <a:p>
             <a:fld id="{4EC8CB78-0433-4C91-B579-AD35DD274D7A}" type="datetimeFigureOut">
               <a:rPr lang="en-IN" smtClean="0"/>
-              <a:t>25-05-2020</a:t>
+              <a:t>27-05-2020</a:t>
             </a:fld>
             <a:endParaRPr lang="en-IN"/>
           </a:p>
@@ -2388,7 +2389,7 @@
           <a:p>
             <a:fld id="{4EC8CB78-0433-4C91-B579-AD35DD274D7A}" type="datetimeFigureOut">
               <a:rPr lang="en-IN" smtClean="0"/>
-              <a:t>25-05-2020</a:t>
+              <a:t>27-05-2020</a:t>
             </a:fld>
             <a:endParaRPr lang="en-IN"/>
           </a:p>
@@ -2920,7 +2921,7 @@
           <a:p>
             <a:fld id="{4EC8CB78-0433-4C91-B579-AD35DD274D7A}" type="datetimeFigureOut">
               <a:rPr lang="en-IN" smtClean="0"/>
-              <a:t>25-05-2020</a:t>
+              <a:t>27-05-2020</a:t>
             </a:fld>
             <a:endParaRPr lang="en-IN"/>
           </a:p>
@@ -3217,7 +3218,7 @@
           <a:p>
             <a:fld id="{4EC8CB78-0433-4C91-B579-AD35DD274D7A}" type="datetimeFigureOut">
               <a:rPr lang="en-IN" smtClean="0"/>
-              <a:t>25-05-2020</a:t>
+              <a:t>27-05-2020</a:t>
             </a:fld>
             <a:endParaRPr lang="en-IN"/>
           </a:p>
@@ -3391,7 +3392,7 @@
           <a:p>
             <a:fld id="{4EC8CB78-0433-4C91-B579-AD35DD274D7A}" type="datetimeFigureOut">
               <a:rPr lang="en-IN" smtClean="0"/>
-              <a:t>25-05-2020</a:t>
+              <a:t>27-05-2020</a:t>
             </a:fld>
             <a:endParaRPr lang="en-IN"/>
           </a:p>
@@ -3571,7 +3572,7 @@
           <a:p>
             <a:fld id="{4EC8CB78-0433-4C91-B579-AD35DD274D7A}" type="datetimeFigureOut">
               <a:rPr lang="en-IN" smtClean="0"/>
-              <a:t>25-05-2020</a:t>
+              <a:t>27-05-2020</a:t>
             </a:fld>
             <a:endParaRPr lang="en-IN"/>
           </a:p>
@@ -3741,7 +3742,7 @@
           <a:p>
             <a:fld id="{4EC8CB78-0433-4C91-B579-AD35DD274D7A}" type="datetimeFigureOut">
               <a:rPr lang="en-IN" smtClean="0"/>
-              <a:t>25-05-2020</a:t>
+              <a:t>27-05-2020</a:t>
             </a:fld>
             <a:endParaRPr lang="en-IN"/>
           </a:p>
@@ -3992,7 +3993,7 @@
           <a:p>
             <a:fld id="{4EC8CB78-0433-4C91-B579-AD35DD274D7A}" type="datetimeFigureOut">
               <a:rPr lang="en-IN" smtClean="0"/>
-              <a:t>25-05-2020</a:t>
+              <a:t>27-05-2020</a:t>
             </a:fld>
             <a:endParaRPr lang="en-IN"/>
           </a:p>
@@ -4289,7 +4290,7 @@
           <a:p>
             <a:fld id="{4EC8CB78-0433-4C91-B579-AD35DD274D7A}" type="datetimeFigureOut">
               <a:rPr lang="en-IN" smtClean="0"/>
-              <a:t>25-05-2020</a:t>
+              <a:t>27-05-2020</a:t>
             </a:fld>
             <a:endParaRPr lang="en-IN"/>
           </a:p>
@@ -4731,7 +4732,7 @@
           <a:p>
             <a:fld id="{4EC8CB78-0433-4C91-B579-AD35DD274D7A}" type="datetimeFigureOut">
               <a:rPr lang="en-IN" smtClean="0"/>
-              <a:t>25-05-2020</a:t>
+              <a:t>27-05-2020</a:t>
             </a:fld>
             <a:endParaRPr lang="en-IN"/>
           </a:p>
@@ -4849,7 +4850,7 @@
           <a:p>
             <a:fld id="{4EC8CB78-0433-4C91-B579-AD35DD274D7A}" type="datetimeFigureOut">
               <a:rPr lang="en-IN" smtClean="0"/>
-              <a:t>25-05-2020</a:t>
+              <a:t>27-05-2020</a:t>
             </a:fld>
             <a:endParaRPr lang="en-IN"/>
           </a:p>
@@ -4944,7 +4945,7 @@
           <a:p>
             <a:fld id="{4EC8CB78-0433-4C91-B579-AD35DD274D7A}" type="datetimeFigureOut">
               <a:rPr lang="en-IN" smtClean="0"/>
-              <a:t>25-05-2020</a:t>
+              <a:t>27-05-2020</a:t>
             </a:fld>
             <a:endParaRPr lang="en-IN"/>
           </a:p>
@@ -5227,7 +5228,7 @@
           <a:p>
             <a:fld id="{4EC8CB78-0433-4C91-B579-AD35DD274D7A}" type="datetimeFigureOut">
               <a:rPr lang="en-IN" smtClean="0"/>
-              <a:t>25-05-2020</a:t>
+              <a:t>27-05-2020</a:t>
             </a:fld>
             <a:endParaRPr lang="en-IN"/>
           </a:p>
@@ -5518,7 +5519,7 @@
           <a:p>
             <a:fld id="{4EC8CB78-0433-4C91-B579-AD35DD274D7A}" type="datetimeFigureOut">
               <a:rPr lang="en-IN" smtClean="0"/>
-              <a:t>25-05-2020</a:t>
+              <a:t>27-05-2020</a:t>
             </a:fld>
             <a:endParaRPr lang="en-IN"/>
           </a:p>
@@ -6048,7 +6049,7 @@
           <a:p>
             <a:fld id="{4EC8CB78-0433-4C91-B579-AD35DD274D7A}" type="datetimeFigureOut">
               <a:rPr lang="en-IN" smtClean="0"/>
-              <a:t>25-05-2020</a:t>
+              <a:t>27-05-2020</a:t>
             </a:fld>
             <a:endParaRPr lang="en-IN"/>
           </a:p>
@@ -8555,32 +8556,15 @@
             <a:pPr algn="ctr"/>
             <a:r>
               <a:rPr lang="en-US" sz="2200" dirty="0"/>
-              <a:t>{</a:t>
-            </a:r>
-            <a:r>
-              <a:rPr lang="en-US" sz="2200" dirty="0" err="1"/>
-              <a:t>thingName</a:t>
-            </a:r>
+              <a:t>button</a:t>
+            </a:r>
+          </a:p>
+          <a:p>
+            <a:pPr algn="ctr"/>
             <a:r>
               <a:rPr lang="en-US" sz="2200" dirty="0"/>
-              <a:t>}/button</a:t>
-            </a:r>
-          </a:p>
-          <a:p>
-            <a:pPr algn="ctr"/>
-            <a:r>
-              <a:rPr lang="en-US" sz="2200" dirty="0"/>
-              <a:t>{</a:t>
-            </a:r>
-            <a:r>
-              <a:rPr lang="en-US" sz="2200" dirty="0" err="1"/>
-              <a:t>thingName</a:t>
-            </a:r>
-            <a:r>
-              <a:rPr lang="en-US" sz="2200" dirty="0"/>
-              <a:t>}/led</a:t>
-            </a:r>
-            <a:endParaRPr lang="en-IN" sz="2200" dirty="0"/>
+              <a:t>led</a:t>
+            </a:r>
           </a:p>
         </p:txBody>
       </p:sp>
@@ -8974,8 +8958,8 @@
         </p:nvCxnSpPr>
         <p:spPr>
           <a:xfrm flipV="1">
-            <a:off x="2313812" y="3945851"/>
-            <a:ext cx="2257749" cy="318748"/>
+            <a:off x="2313812" y="3967089"/>
+            <a:ext cx="2990928" cy="297510"/>
           </a:xfrm>
           <a:prstGeom prst="straightConnector1">
             <a:avLst/>
@@ -9089,13 +9073,15 @@
               </a:ext>
             </a:extLst>
           </p:cNvPr>
-          <p:cNvCxnSpPr/>
+          <p:cNvCxnSpPr>
+            <a:cxnSpLocks/>
+          </p:cNvCxnSpPr>
           <p:nvPr/>
         </p:nvCxnSpPr>
         <p:spPr>
           <a:xfrm flipV="1">
-            <a:off x="6963507" y="3202131"/>
-            <a:ext cx="2139711" cy="764958"/>
+            <a:off x="6313478" y="3202131"/>
+            <a:ext cx="2789740" cy="764958"/>
           </a:xfrm>
           <a:prstGeom prst="straightConnector1">
             <a:avLst/>
@@ -9136,8 +9122,8 @@
         </p:nvCxnSpPr>
         <p:spPr>
           <a:xfrm flipH="1">
-            <a:off x="6829310" y="3504767"/>
-            <a:ext cx="2273908" cy="759832"/>
+            <a:off x="6179210" y="3504767"/>
+            <a:ext cx="2924008" cy="787131"/>
           </a:xfrm>
           <a:prstGeom prst="straightConnector1">
             <a:avLst/>
@@ -9176,7 +9162,7 @@
         </p:nvSpPr>
         <p:spPr>
           <a:xfrm rot="20506985">
-            <a:off x="7308562" y="3241905"/>
+            <a:off x="7216518" y="3156784"/>
             <a:ext cx="1447832" cy="369332"/>
           </a:xfrm>
           <a:prstGeom prst="rect">
@@ -9214,8 +9200,8 @@
         </p:nvCxnSpPr>
         <p:spPr>
           <a:xfrm flipH="1">
-            <a:off x="2207221" y="4337706"/>
-            <a:ext cx="2519523" cy="290718"/>
+            <a:off x="2207222" y="4264599"/>
+            <a:ext cx="3253226" cy="363825"/>
           </a:xfrm>
           <a:prstGeom prst="straightConnector1">
             <a:avLst/>
@@ -9289,7 +9275,7 @@
           <p:nvPr/>
         </p:nvSpPr>
         <p:spPr>
-          <a:xfrm rot="21135006">
+          <a:xfrm>
             <a:off x="2712488" y="3775272"/>
             <a:ext cx="1317990" cy="369332"/>
           </a:xfrm>
@@ -9401,8 +9387,8 @@
         </p:nvCxnSpPr>
         <p:spPr>
           <a:xfrm>
-            <a:off x="7195071" y="4264599"/>
-            <a:ext cx="1908147" cy="1527422"/>
+            <a:off x="6096000" y="4477408"/>
+            <a:ext cx="3007218" cy="1314613"/>
           </a:xfrm>
           <a:prstGeom prst="straightConnector1">
             <a:avLst/>
@@ -9440,8 +9426,8 @@
           <p:nvPr/>
         </p:nvSpPr>
         <p:spPr>
-          <a:xfrm rot="2359416">
-            <a:off x="7366323" y="5037127"/>
+          <a:xfrm rot="1490522">
+            <a:off x="7327013" y="5421757"/>
             <a:ext cx="1447832" cy="369332"/>
           </a:xfrm>
           <a:prstGeom prst="rect">
@@ -9477,6 +9463,1069 @@
 </file>
 
 <file path=ppt/slides/slide6.xml><?xml version="1.0" encoding="utf-8"?>
+<p:sld xmlns:a="http://schemas.openxmlformats.org/drawingml/2006/main" xmlns:r="http://schemas.openxmlformats.org/officeDocument/2006/relationships" xmlns:p="http://schemas.openxmlformats.org/presentationml/2006/main">
+  <p:cSld>
+    <p:spTree>
+      <p:nvGrpSpPr>
+        <p:cNvPr id="1" name=""/>
+        <p:cNvGrpSpPr/>
+        <p:nvPr/>
+      </p:nvGrpSpPr>
+      <p:grpSpPr>
+        <a:xfrm>
+          <a:off x="0" y="0"/>
+          <a:ext cx="0" cy="0"/>
+          <a:chOff x="0" y="0"/>
+          <a:chExt cx="0" cy="0"/>
+        </a:xfrm>
+      </p:grpSpPr>
+      <p:sp>
+        <p:nvSpPr>
+          <p:cNvPr id="7" name="Rectangle 6">
+            <a:extLst>
+              <a:ext uri="{FF2B5EF4-FFF2-40B4-BE49-F238E27FC236}">
+                <a16:creationId xmlns:a16="http://schemas.microsoft.com/office/drawing/2014/main" id="{C698A3CD-075E-4BF9-B583-0F73A19D125B}"/>
+              </a:ext>
+            </a:extLst>
+          </p:cNvPr>
+          <p:cNvSpPr/>
+          <p:nvPr/>
+        </p:nvSpPr>
+        <p:spPr>
+          <a:xfrm>
+            <a:off x="4100143" y="3179299"/>
+            <a:ext cx="3804354" cy="1824931"/>
+          </a:xfrm>
+          <a:prstGeom prst="rect">
+            <a:avLst/>
+          </a:prstGeom>
+        </p:spPr>
+        <p:style>
+          <a:lnRef idx="2">
+            <a:schemeClr val="accent1">
+              <a:shade val="50000"/>
+            </a:schemeClr>
+          </a:lnRef>
+          <a:fillRef idx="1">
+            <a:schemeClr val="accent1"/>
+          </a:fillRef>
+          <a:effectRef idx="0">
+            <a:schemeClr val="accent1"/>
+          </a:effectRef>
+          <a:fontRef idx="minor">
+            <a:schemeClr val="lt1"/>
+          </a:fontRef>
+        </p:style>
+        <p:txBody>
+          <a:bodyPr rtlCol="0" anchor="ctr"/>
+          <a:lstStyle/>
+          <a:p>
+            <a:pPr algn="ctr"/>
+            <a:endParaRPr lang="en-US" sz="2200" dirty="0"/>
+          </a:p>
+        </p:txBody>
+      </p:sp>
+      <p:sp>
+        <p:nvSpPr>
+          <p:cNvPr id="2" name="Title 1">
+            <a:extLst>
+              <a:ext uri="{FF2B5EF4-FFF2-40B4-BE49-F238E27FC236}">
+                <a16:creationId xmlns:a16="http://schemas.microsoft.com/office/drawing/2014/main" id="{751CB5FC-ECE5-4B5B-8600-29FD16C82DB0}"/>
+              </a:ext>
+            </a:extLst>
+          </p:cNvPr>
+          <p:cNvSpPr>
+            <a:spLocks noGrp="1"/>
+          </p:cNvSpPr>
+          <p:nvPr>
+            <p:ph type="title"/>
+          </p:nvPr>
+        </p:nvSpPr>
+        <p:spPr>
+          <a:xfrm>
+            <a:off x="929394" y="-73617"/>
+            <a:ext cx="10018713" cy="913800"/>
+          </a:xfrm>
+        </p:spPr>
+        <p:txBody>
+          <a:bodyPr/>
+          <a:lstStyle/>
+          <a:p>
+            <a:r>
+              <a:rPr lang="en-US" dirty="0"/>
+              <a:t>THINGSHADOW ARCHITECTURE</a:t>
+            </a:r>
+            <a:endParaRPr lang="en-IN" dirty="0"/>
+          </a:p>
+        </p:txBody>
+      </p:sp>
+      <p:pic>
+        <p:nvPicPr>
+          <p:cNvPr id="2050" name="Picture 2" descr="Clouds Clipart Clear Background Pencil And In Color - Free Png Image">
+            <a:extLst>
+              <a:ext uri="{FF2B5EF4-FFF2-40B4-BE49-F238E27FC236}">
+                <a16:creationId xmlns:a16="http://schemas.microsoft.com/office/drawing/2014/main" id="{06A1C846-7BB9-48C2-8EF8-67FA3BAAF13E}"/>
+              </a:ext>
+            </a:extLst>
+          </p:cNvPr>
+          <p:cNvPicPr>
+            <a:picLocks noChangeAspect="1" noChangeArrowheads="1"/>
+          </p:cNvPicPr>
+          <p:nvPr/>
+        </p:nvPicPr>
+        <p:blipFill>
+          <a:blip r:embed="rId2">
+            <a:extLst>
+              <a:ext uri="{28A0092B-C50C-407E-A947-70E740481C1C}">
+                <a14:useLocalDpi xmlns:a14="http://schemas.microsoft.com/office/drawing/2010/main" val="0"/>
+              </a:ext>
+            </a:extLst>
+          </a:blip>
+          <a:srcRect/>
+          <a:stretch>
+            <a:fillRect/>
+          </a:stretch>
+        </p:blipFill>
+        <p:spPr bwMode="auto">
+          <a:xfrm>
+            <a:off x="4178104" y="738971"/>
+            <a:ext cx="3594294" cy="2553630"/>
+          </a:xfrm>
+          <a:prstGeom prst="rect">
+            <a:avLst/>
+          </a:prstGeom>
+          <a:noFill/>
+          <a:extLst>
+            <a:ext uri="{909E8E84-426E-40DD-AFC4-6F175D3DCCD1}">
+              <a14:hiddenFill xmlns:a14="http://schemas.microsoft.com/office/drawing/2010/main">
+                <a:solidFill>
+                  <a:srgbClr val="FFFFFF"/>
+                </a:solidFill>
+              </a14:hiddenFill>
+            </a:ext>
+          </a:extLst>
+        </p:spPr>
+      </p:pic>
+      <p:sp>
+        <p:nvSpPr>
+          <p:cNvPr id="4" name="TextBox 3">
+            <a:extLst>
+              <a:ext uri="{FF2B5EF4-FFF2-40B4-BE49-F238E27FC236}">
+                <a16:creationId xmlns:a16="http://schemas.microsoft.com/office/drawing/2014/main" id="{519D8ACC-C8C9-458C-8C8B-359DCA404CFB}"/>
+              </a:ext>
+            </a:extLst>
+          </p:cNvPr>
+          <p:cNvSpPr txBox="1"/>
+          <p:nvPr/>
+        </p:nvSpPr>
+        <p:spPr>
+          <a:xfrm>
+            <a:off x="4435117" y="1488223"/>
+            <a:ext cx="3179298" cy="1015663"/>
+          </a:xfrm>
+          <a:prstGeom prst="rect">
+            <a:avLst/>
+          </a:prstGeom>
+          <a:noFill/>
+        </p:spPr>
+        <p:txBody>
+          <a:bodyPr wrap="square" rtlCol="0">
+            <a:spAutoFit/>
+          </a:bodyPr>
+          <a:lstStyle/>
+          <a:p>
+            <a:pPr algn="ctr"/>
+            <a:r>
+              <a:rPr lang="en-US" sz="3000" dirty="0">
+                <a:solidFill>
+                  <a:schemeClr val="bg1"/>
+                </a:solidFill>
+                <a:latin typeface="Gunplay" panose="020B0608020202050204" pitchFamily="34" charset="0"/>
+              </a:rPr>
+              <a:t>AWS IOT</a:t>
+            </a:r>
+          </a:p>
+          <a:p>
+            <a:pPr algn="ctr"/>
+            <a:r>
+              <a:rPr lang="en-US" sz="3000" dirty="0">
+                <a:solidFill>
+                  <a:schemeClr val="bg1"/>
+                </a:solidFill>
+                <a:latin typeface="Gunplay" panose="020B0608020202050204" pitchFamily="34" charset="0"/>
+              </a:rPr>
+              <a:t>MQTT BROKER</a:t>
+            </a:r>
+            <a:endParaRPr lang="en-IN" sz="3000" dirty="0">
+              <a:solidFill>
+                <a:schemeClr val="bg1"/>
+              </a:solidFill>
+              <a:latin typeface="Gunplay" panose="020B0608020202050204" pitchFamily="34" charset="0"/>
+            </a:endParaRPr>
+          </a:p>
+        </p:txBody>
+      </p:sp>
+      <p:pic>
+        <p:nvPicPr>
+          <p:cNvPr id="6" name="Picture 5">
+            <a:extLst>
+              <a:ext uri="{FF2B5EF4-FFF2-40B4-BE49-F238E27FC236}">
+                <a16:creationId xmlns:a16="http://schemas.microsoft.com/office/drawing/2014/main" id="{D25DB8F8-18B3-4E5C-A034-EA960A5129C4}"/>
+              </a:ext>
+            </a:extLst>
+          </p:cNvPr>
+          <p:cNvPicPr>
+            <a:picLocks noChangeAspect="1"/>
+          </p:cNvPicPr>
+          <p:nvPr/>
+        </p:nvPicPr>
+        <p:blipFill>
+          <a:blip r:embed="rId3">
+            <a:extLst>
+              <a:ext uri="{28A0092B-C50C-407E-A947-70E740481C1C}">
+                <a14:useLocalDpi xmlns:a14="http://schemas.microsoft.com/office/drawing/2010/main" val="0"/>
+              </a:ext>
+            </a:extLst>
+          </a:blip>
+          <a:stretch>
+            <a:fillRect/>
+          </a:stretch>
+        </p:blipFill>
+        <p:spPr>
+          <a:xfrm>
+            <a:off x="1075519" y="5058271"/>
+            <a:ext cx="1864629" cy="1408343"/>
+          </a:xfrm>
+          <a:prstGeom prst="rect">
+            <a:avLst/>
+          </a:prstGeom>
+        </p:spPr>
+      </p:pic>
+      <p:pic>
+        <p:nvPicPr>
+          <p:cNvPr id="2052" name="Picture 4" descr="Wifi Icon Red PNG Image - PurePNG | Free transparent CC0 PNG Image ...">
+            <a:extLst>
+              <a:ext uri="{FF2B5EF4-FFF2-40B4-BE49-F238E27FC236}">
+                <a16:creationId xmlns:a16="http://schemas.microsoft.com/office/drawing/2014/main" id="{DD8DF987-38B2-4FB7-AE1C-6ADB64BDE763}"/>
+              </a:ext>
+            </a:extLst>
+          </p:cNvPr>
+          <p:cNvPicPr>
+            <a:picLocks noChangeAspect="1" noChangeArrowheads="1"/>
+          </p:cNvPicPr>
+          <p:nvPr/>
+        </p:nvPicPr>
+        <p:blipFill>
+          <a:blip r:embed="rId4">
+            <a:extLst>
+              <a:ext uri="{28A0092B-C50C-407E-A947-70E740481C1C}">
+                <a14:useLocalDpi xmlns:a14="http://schemas.microsoft.com/office/drawing/2010/main" val="0"/>
+              </a:ext>
+            </a:extLst>
+          </a:blip>
+          <a:srcRect/>
+          <a:stretch>
+            <a:fillRect/>
+          </a:stretch>
+        </p:blipFill>
+        <p:spPr bwMode="auto">
+          <a:xfrm>
+            <a:off x="2137118" y="4656756"/>
+            <a:ext cx="803030" cy="803030"/>
+          </a:xfrm>
+          <a:prstGeom prst="rect">
+            <a:avLst/>
+          </a:prstGeom>
+          <a:noFill/>
+          <a:extLst>
+            <a:ext uri="{909E8E84-426E-40DD-AFC4-6F175D3DCCD1}">
+              <a14:hiddenFill xmlns:a14="http://schemas.microsoft.com/office/drawing/2010/main">
+                <a:solidFill>
+                  <a:srgbClr val="FFFFFF"/>
+                </a:solidFill>
+              </a14:hiddenFill>
+            </a:ext>
+          </a:extLst>
+        </p:spPr>
+      </p:pic>
+      <p:sp>
+        <p:nvSpPr>
+          <p:cNvPr id="8" name="TextBox 7">
+            <a:extLst>
+              <a:ext uri="{FF2B5EF4-FFF2-40B4-BE49-F238E27FC236}">
+                <a16:creationId xmlns:a16="http://schemas.microsoft.com/office/drawing/2014/main" id="{CFEEC4BD-9E66-4B90-A3E6-2851B204DDEF}"/>
+              </a:ext>
+            </a:extLst>
+          </p:cNvPr>
+          <p:cNvSpPr txBox="1"/>
+          <p:nvPr/>
+        </p:nvSpPr>
+        <p:spPr>
+          <a:xfrm>
+            <a:off x="5656226" y="2793257"/>
+            <a:ext cx="1008738" cy="400110"/>
+          </a:xfrm>
+          <a:prstGeom prst="rect">
+            <a:avLst/>
+          </a:prstGeom>
+          <a:noFill/>
+        </p:spPr>
+        <p:txBody>
+          <a:bodyPr wrap="none" rtlCol="0">
+            <a:spAutoFit/>
+          </a:bodyPr>
+          <a:lstStyle/>
+          <a:p>
+            <a:r>
+              <a:rPr lang="en-US" sz="2000" dirty="0">
+                <a:latin typeface="Gunplay" panose="020B0608020202050204" pitchFamily="34" charset="0"/>
+              </a:rPr>
+              <a:t>TOPICS</a:t>
+            </a:r>
+            <a:endParaRPr lang="en-IN" sz="2000" dirty="0">
+              <a:latin typeface="Gunplay" panose="020B0608020202050204" pitchFamily="34" charset="0"/>
+            </a:endParaRPr>
+          </a:p>
+        </p:txBody>
+      </p:sp>
+      <p:sp>
+        <p:nvSpPr>
+          <p:cNvPr id="9" name="Rectangle: Rounded Corners 8">
+            <a:extLst>
+              <a:ext uri="{FF2B5EF4-FFF2-40B4-BE49-F238E27FC236}">
+                <a16:creationId xmlns:a16="http://schemas.microsoft.com/office/drawing/2014/main" id="{CD5262B6-5862-4BF0-B179-80923CF28C18}"/>
+              </a:ext>
+            </a:extLst>
+          </p:cNvPr>
+          <p:cNvSpPr/>
+          <p:nvPr/>
+        </p:nvSpPr>
+        <p:spPr>
+          <a:xfrm>
+            <a:off x="9740630" y="4751430"/>
+            <a:ext cx="2414954" cy="1575581"/>
+          </a:xfrm>
+          <a:prstGeom prst="roundRect">
+            <a:avLst/>
+          </a:prstGeom>
+        </p:spPr>
+        <p:style>
+          <a:lnRef idx="2">
+            <a:schemeClr val="accent6"/>
+          </a:lnRef>
+          <a:fillRef idx="1">
+            <a:schemeClr val="lt1"/>
+          </a:fillRef>
+          <a:effectRef idx="0">
+            <a:schemeClr val="accent6"/>
+          </a:effectRef>
+          <a:fontRef idx="minor">
+            <a:schemeClr val="dk1"/>
+          </a:fontRef>
+        </p:style>
+        <p:txBody>
+          <a:bodyPr rtlCol="0" anchor="ctr"/>
+          <a:lstStyle/>
+          <a:p>
+            <a:pPr algn="ctr"/>
+            <a:r>
+              <a:rPr lang="en-US" b="1" dirty="0"/>
+              <a:t>MQTT BOX</a:t>
+            </a:r>
+          </a:p>
+          <a:p>
+            <a:pPr algn="ctr"/>
+            <a:r>
+              <a:rPr lang="en-US" b="1" dirty="0"/>
+              <a:t>(MQTT CLIENT 3)</a:t>
+            </a:r>
+            <a:endParaRPr lang="en-IN" b="1" dirty="0"/>
+          </a:p>
+        </p:txBody>
+      </p:sp>
+      <p:sp>
+        <p:nvSpPr>
+          <p:cNvPr id="12" name="Rectangle: Rounded Corners 11">
+            <a:extLst>
+              <a:ext uri="{FF2B5EF4-FFF2-40B4-BE49-F238E27FC236}">
+                <a16:creationId xmlns:a16="http://schemas.microsoft.com/office/drawing/2014/main" id="{63F6CD8D-8FE9-4127-8C29-12FB1867E554}"/>
+              </a:ext>
+            </a:extLst>
+          </p:cNvPr>
+          <p:cNvSpPr/>
+          <p:nvPr/>
+        </p:nvSpPr>
+        <p:spPr>
+          <a:xfrm>
+            <a:off x="9790190" y="1476347"/>
+            <a:ext cx="2414954" cy="1575581"/>
+          </a:xfrm>
+          <a:prstGeom prst="roundRect">
+            <a:avLst/>
+          </a:prstGeom>
+        </p:spPr>
+        <p:style>
+          <a:lnRef idx="2">
+            <a:schemeClr val="accent6"/>
+          </a:lnRef>
+          <a:fillRef idx="1">
+            <a:schemeClr val="lt1"/>
+          </a:fillRef>
+          <a:effectRef idx="0">
+            <a:schemeClr val="accent6"/>
+          </a:effectRef>
+          <a:fontRef idx="minor">
+            <a:schemeClr val="dk1"/>
+          </a:fontRef>
+        </p:style>
+        <p:txBody>
+          <a:bodyPr rtlCol="0" anchor="ctr"/>
+          <a:lstStyle/>
+          <a:p>
+            <a:pPr algn="ctr"/>
+            <a:r>
+              <a:rPr lang="en-US" b="1" dirty="0"/>
+              <a:t>AWS TEST</a:t>
+            </a:r>
+          </a:p>
+          <a:p>
+            <a:pPr algn="ctr"/>
+            <a:r>
+              <a:rPr lang="en-US" b="1" dirty="0"/>
+              <a:t>(MQTT CLIENT 2)</a:t>
+            </a:r>
+            <a:endParaRPr lang="en-IN" b="1" dirty="0"/>
+          </a:p>
+        </p:txBody>
+      </p:sp>
+      <p:cxnSp>
+        <p:nvCxnSpPr>
+          <p:cNvPr id="11" name="Straight Arrow Connector 10">
+            <a:extLst>
+              <a:ext uri="{FF2B5EF4-FFF2-40B4-BE49-F238E27FC236}">
+                <a16:creationId xmlns:a16="http://schemas.microsoft.com/office/drawing/2014/main" id="{A3DE1EEE-1C54-4566-9B86-CD167FBCFD43}"/>
+              </a:ext>
+            </a:extLst>
+          </p:cNvPr>
+          <p:cNvCxnSpPr>
+            <a:cxnSpLocks/>
+            <a:stCxn id="14" idx="3"/>
+            <a:endCxn id="27" idx="1"/>
+          </p:cNvCxnSpPr>
+          <p:nvPr/>
+        </p:nvCxnSpPr>
+        <p:spPr>
+          <a:xfrm flipV="1">
+            <a:off x="2313812" y="3966829"/>
+            <a:ext cx="1849457" cy="297770"/>
+          </a:xfrm>
+          <a:prstGeom prst="straightConnector1">
+            <a:avLst/>
+          </a:prstGeom>
+          <a:ln>
+            <a:tailEnd type="triangle"/>
+          </a:ln>
+          <a:effectLst/>
+        </p:spPr>
+        <p:style>
+          <a:lnRef idx="3">
+            <a:schemeClr val="dk1"/>
+          </a:lnRef>
+          <a:fillRef idx="0">
+            <a:schemeClr val="dk1"/>
+          </a:fillRef>
+          <a:effectRef idx="2">
+            <a:schemeClr val="dk1"/>
+          </a:effectRef>
+          <a:fontRef idx="minor">
+            <a:schemeClr val="tx1"/>
+          </a:fontRef>
+        </p:style>
+      </p:cxnSp>
+      <p:sp>
+        <p:nvSpPr>
+          <p:cNvPr id="14" name="TextBox 13">
+            <a:extLst>
+              <a:ext uri="{FF2B5EF4-FFF2-40B4-BE49-F238E27FC236}">
+                <a16:creationId xmlns:a16="http://schemas.microsoft.com/office/drawing/2014/main" id="{B32C66DC-50CA-4922-A3FF-29C703F970DD}"/>
+              </a:ext>
+            </a:extLst>
+          </p:cNvPr>
+          <p:cNvSpPr txBox="1"/>
+          <p:nvPr/>
+        </p:nvSpPr>
+        <p:spPr>
+          <a:xfrm>
+            <a:off x="334809" y="4079933"/>
+            <a:ext cx="1979003" cy="369332"/>
+          </a:xfrm>
+          <a:prstGeom prst="rect">
+            <a:avLst/>
+          </a:prstGeom>
+          <a:noFill/>
+        </p:spPr>
+        <p:txBody>
+          <a:bodyPr wrap="none" rtlCol="0">
+            <a:spAutoFit/>
+          </a:bodyPr>
+          <a:lstStyle/>
+          <a:p>
+            <a:r>
+              <a:rPr lang="en-US" dirty="0">
+                <a:latin typeface="Arial Black" panose="020B0A04020102020204" pitchFamily="34" charset="0"/>
+              </a:rPr>
+              <a:t>PUSHBUTTON</a:t>
+            </a:r>
+            <a:endParaRPr lang="en-IN" dirty="0">
+              <a:latin typeface="Arial Black" panose="020B0A04020102020204" pitchFamily="34" charset="0"/>
+            </a:endParaRPr>
+          </a:p>
+        </p:txBody>
+      </p:sp>
+      <p:sp>
+        <p:nvSpPr>
+          <p:cNvPr id="17" name="TextBox 16">
+            <a:extLst>
+              <a:ext uri="{FF2B5EF4-FFF2-40B4-BE49-F238E27FC236}">
+                <a16:creationId xmlns:a16="http://schemas.microsoft.com/office/drawing/2014/main" id="{0EB28BDF-E716-4FD7-ADDB-4C5CFD685221}"/>
+              </a:ext>
+            </a:extLst>
+          </p:cNvPr>
+          <p:cNvSpPr txBox="1"/>
+          <p:nvPr/>
+        </p:nvSpPr>
+        <p:spPr>
+          <a:xfrm>
+            <a:off x="437199" y="4449265"/>
+            <a:ext cx="1808444" cy="369332"/>
+          </a:xfrm>
+          <a:prstGeom prst="rect">
+            <a:avLst/>
+          </a:prstGeom>
+          <a:noFill/>
+        </p:spPr>
+        <p:txBody>
+          <a:bodyPr wrap="none" rtlCol="0">
+            <a:spAutoFit/>
+          </a:bodyPr>
+          <a:lstStyle/>
+          <a:p>
+            <a:r>
+              <a:rPr lang="en-US" dirty="0">
+                <a:latin typeface="Arial Black" panose="020B0A04020102020204" pitchFamily="34" charset="0"/>
+              </a:rPr>
+              <a:t>BUILTIN LED</a:t>
+            </a:r>
+            <a:endParaRPr lang="en-IN" dirty="0">
+              <a:latin typeface="Arial Black" panose="020B0A04020102020204" pitchFamily="34" charset="0"/>
+            </a:endParaRPr>
+          </a:p>
+        </p:txBody>
+      </p:sp>
+      <p:cxnSp>
+        <p:nvCxnSpPr>
+          <p:cNvPr id="19" name="Straight Arrow Connector 18">
+            <a:extLst>
+              <a:ext uri="{FF2B5EF4-FFF2-40B4-BE49-F238E27FC236}">
+                <a16:creationId xmlns:a16="http://schemas.microsoft.com/office/drawing/2014/main" id="{3CEEDDA9-510B-4588-A0FD-C5667933E01D}"/>
+              </a:ext>
+            </a:extLst>
+          </p:cNvPr>
+          <p:cNvCxnSpPr>
+            <a:cxnSpLocks/>
+          </p:cNvCxnSpPr>
+          <p:nvPr/>
+        </p:nvCxnSpPr>
+        <p:spPr>
+          <a:xfrm flipV="1">
+            <a:off x="8003573" y="3009859"/>
+            <a:ext cx="1969496" cy="1390509"/>
+          </a:xfrm>
+          <a:prstGeom prst="straightConnector1">
+            <a:avLst/>
+          </a:prstGeom>
+          <a:ln>
+            <a:tailEnd type="triangle"/>
+          </a:ln>
+          <a:effectLst/>
+        </p:spPr>
+        <p:style>
+          <a:lnRef idx="3">
+            <a:schemeClr val="dk1"/>
+          </a:lnRef>
+          <a:fillRef idx="0">
+            <a:schemeClr val="dk1"/>
+          </a:fillRef>
+          <a:effectRef idx="2">
+            <a:schemeClr val="dk1"/>
+          </a:effectRef>
+          <a:fontRef idx="minor">
+            <a:schemeClr val="tx1"/>
+          </a:fontRef>
+        </p:style>
+      </p:cxnSp>
+      <p:cxnSp>
+        <p:nvCxnSpPr>
+          <p:cNvPr id="22" name="Straight Arrow Connector 21">
+            <a:extLst>
+              <a:ext uri="{FF2B5EF4-FFF2-40B4-BE49-F238E27FC236}">
+                <a16:creationId xmlns:a16="http://schemas.microsoft.com/office/drawing/2014/main" id="{2835E98D-1F5A-408A-95CB-D6DBA74A9523}"/>
+              </a:ext>
+            </a:extLst>
+          </p:cNvPr>
+          <p:cNvCxnSpPr>
+            <a:cxnSpLocks/>
+          </p:cNvCxnSpPr>
+          <p:nvPr/>
+        </p:nvCxnSpPr>
+        <p:spPr>
+          <a:xfrm flipH="1">
+            <a:off x="7955277" y="2477970"/>
+            <a:ext cx="1834913" cy="1199315"/>
+          </a:xfrm>
+          <a:prstGeom prst="straightConnector1">
+            <a:avLst/>
+          </a:prstGeom>
+          <a:ln>
+            <a:tailEnd type="triangle"/>
+          </a:ln>
+          <a:effectLst/>
+        </p:spPr>
+        <p:style>
+          <a:lnRef idx="3">
+            <a:schemeClr val="dk1"/>
+          </a:lnRef>
+          <a:fillRef idx="0">
+            <a:schemeClr val="dk1"/>
+          </a:fillRef>
+          <a:effectRef idx="2">
+            <a:schemeClr val="dk1"/>
+          </a:effectRef>
+          <a:fontRef idx="minor">
+            <a:schemeClr val="tx1"/>
+          </a:fontRef>
+        </p:style>
+      </p:cxnSp>
+      <p:sp>
+        <p:nvSpPr>
+          <p:cNvPr id="21" name="TextBox 20">
+            <a:extLst>
+              <a:ext uri="{FF2B5EF4-FFF2-40B4-BE49-F238E27FC236}">
+                <a16:creationId xmlns:a16="http://schemas.microsoft.com/office/drawing/2014/main" id="{F41B7718-E9D8-4170-868A-BC6B3AD8C787}"/>
+              </a:ext>
+            </a:extLst>
+          </p:cNvPr>
+          <p:cNvSpPr txBox="1"/>
+          <p:nvPr/>
+        </p:nvSpPr>
+        <p:spPr>
+          <a:xfrm rot="19655544">
+            <a:off x="8132594" y="3907490"/>
+            <a:ext cx="1447832" cy="369332"/>
+          </a:xfrm>
+          <a:prstGeom prst="rect">
+            <a:avLst/>
+          </a:prstGeom>
+          <a:noFill/>
+        </p:spPr>
+        <p:txBody>
+          <a:bodyPr wrap="none" rtlCol="0">
+            <a:spAutoFit/>
+          </a:bodyPr>
+          <a:lstStyle/>
+          <a:p>
+            <a:r>
+              <a:rPr lang="en-US" dirty="0"/>
+              <a:t>SUBSCRIBES</a:t>
+            </a:r>
+            <a:endParaRPr lang="en-IN" dirty="0"/>
+          </a:p>
+        </p:txBody>
+      </p:sp>
+      <p:cxnSp>
+        <p:nvCxnSpPr>
+          <p:cNvPr id="28" name="Straight Arrow Connector 27">
+            <a:extLst>
+              <a:ext uri="{FF2B5EF4-FFF2-40B4-BE49-F238E27FC236}">
+                <a16:creationId xmlns:a16="http://schemas.microsoft.com/office/drawing/2014/main" id="{EFCEBD12-6363-4001-A908-1792236E35C4}"/>
+              </a:ext>
+            </a:extLst>
+          </p:cNvPr>
+          <p:cNvCxnSpPr>
+            <a:cxnSpLocks/>
+          </p:cNvCxnSpPr>
+          <p:nvPr/>
+        </p:nvCxnSpPr>
+        <p:spPr>
+          <a:xfrm flipH="1">
+            <a:off x="2207222" y="4359686"/>
+            <a:ext cx="2153761" cy="268738"/>
+          </a:xfrm>
+          <a:prstGeom prst="straightConnector1">
+            <a:avLst/>
+          </a:prstGeom>
+          <a:ln>
+            <a:tailEnd type="triangle"/>
+          </a:ln>
+          <a:effectLst/>
+        </p:spPr>
+        <p:style>
+          <a:lnRef idx="3">
+            <a:schemeClr val="dk1"/>
+          </a:lnRef>
+          <a:fillRef idx="0">
+            <a:schemeClr val="dk1"/>
+          </a:fillRef>
+          <a:effectRef idx="2">
+            <a:schemeClr val="dk1"/>
+          </a:effectRef>
+          <a:fontRef idx="minor">
+            <a:schemeClr val="tx1"/>
+          </a:fontRef>
+        </p:style>
+      </p:cxnSp>
+      <p:sp>
+        <p:nvSpPr>
+          <p:cNvPr id="30" name="TextBox 29">
+            <a:extLst>
+              <a:ext uri="{FF2B5EF4-FFF2-40B4-BE49-F238E27FC236}">
+                <a16:creationId xmlns:a16="http://schemas.microsoft.com/office/drawing/2014/main" id="{0563DD58-1602-4CD4-915D-725767637BAE}"/>
+              </a:ext>
+            </a:extLst>
+          </p:cNvPr>
+          <p:cNvSpPr txBox="1"/>
+          <p:nvPr/>
+        </p:nvSpPr>
+        <p:spPr>
+          <a:xfrm rot="21135006">
+            <a:off x="2821384" y="4481447"/>
+            <a:ext cx="1447832" cy="369332"/>
+          </a:xfrm>
+          <a:prstGeom prst="rect">
+            <a:avLst/>
+          </a:prstGeom>
+          <a:noFill/>
+        </p:spPr>
+        <p:txBody>
+          <a:bodyPr wrap="none" rtlCol="0">
+            <a:spAutoFit/>
+          </a:bodyPr>
+          <a:lstStyle/>
+          <a:p>
+            <a:r>
+              <a:rPr lang="en-US" dirty="0"/>
+              <a:t>SUBSCRIBES</a:t>
+            </a:r>
+            <a:endParaRPr lang="en-IN" dirty="0"/>
+          </a:p>
+        </p:txBody>
+      </p:sp>
+      <p:sp>
+        <p:nvSpPr>
+          <p:cNvPr id="33" name="TextBox 32">
+            <a:extLst>
+              <a:ext uri="{FF2B5EF4-FFF2-40B4-BE49-F238E27FC236}">
+                <a16:creationId xmlns:a16="http://schemas.microsoft.com/office/drawing/2014/main" id="{5B792407-243D-4D87-A7F7-5AE3A2CE897F}"/>
+              </a:ext>
+            </a:extLst>
+          </p:cNvPr>
+          <p:cNvSpPr txBox="1"/>
+          <p:nvPr/>
+        </p:nvSpPr>
+        <p:spPr>
+          <a:xfrm rot="21135006">
+            <a:off x="2712488" y="3775272"/>
+            <a:ext cx="1317990" cy="369332"/>
+          </a:xfrm>
+          <a:prstGeom prst="rect">
+            <a:avLst/>
+          </a:prstGeom>
+          <a:noFill/>
+        </p:spPr>
+        <p:txBody>
+          <a:bodyPr wrap="none" rtlCol="0">
+            <a:spAutoFit/>
+          </a:bodyPr>
+          <a:lstStyle/>
+          <a:p>
+            <a:r>
+              <a:rPr lang="en-US" dirty="0"/>
+              <a:t>PUBLISHES</a:t>
+            </a:r>
+            <a:endParaRPr lang="en-IN" dirty="0"/>
+          </a:p>
+        </p:txBody>
+      </p:sp>
+      <p:sp>
+        <p:nvSpPr>
+          <p:cNvPr id="34" name="TextBox 33">
+            <a:extLst>
+              <a:ext uri="{FF2B5EF4-FFF2-40B4-BE49-F238E27FC236}">
+                <a16:creationId xmlns:a16="http://schemas.microsoft.com/office/drawing/2014/main" id="{568E8ED1-6229-43CA-AF84-B6E3C31B26F0}"/>
+              </a:ext>
+            </a:extLst>
+          </p:cNvPr>
+          <p:cNvSpPr txBox="1"/>
+          <p:nvPr/>
+        </p:nvSpPr>
+        <p:spPr>
+          <a:xfrm rot="19792466">
+            <a:off x="8076470" y="3207903"/>
+            <a:ext cx="1317990" cy="369332"/>
+          </a:xfrm>
+          <a:prstGeom prst="rect">
+            <a:avLst/>
+          </a:prstGeom>
+          <a:noFill/>
+        </p:spPr>
+        <p:txBody>
+          <a:bodyPr wrap="none" rtlCol="0">
+            <a:spAutoFit/>
+          </a:bodyPr>
+          <a:lstStyle/>
+          <a:p>
+            <a:r>
+              <a:rPr lang="en-US" dirty="0"/>
+              <a:t>PUBLISHES</a:t>
+            </a:r>
+            <a:endParaRPr lang="en-IN" dirty="0"/>
+          </a:p>
+        </p:txBody>
+      </p:sp>
+      <p:sp>
+        <p:nvSpPr>
+          <p:cNvPr id="31" name="TextBox 30">
+            <a:extLst>
+              <a:ext uri="{FF2B5EF4-FFF2-40B4-BE49-F238E27FC236}">
+                <a16:creationId xmlns:a16="http://schemas.microsoft.com/office/drawing/2014/main" id="{32F7402B-E5B2-4895-B08E-339832809EE7}"/>
+              </a:ext>
+            </a:extLst>
+          </p:cNvPr>
+          <p:cNvSpPr txBox="1"/>
+          <p:nvPr/>
+        </p:nvSpPr>
+        <p:spPr>
+          <a:xfrm>
+            <a:off x="2908873" y="6131444"/>
+            <a:ext cx="1767407" cy="369332"/>
+          </a:xfrm>
+          <a:prstGeom prst="rect">
+            <a:avLst/>
+          </a:prstGeom>
+          <a:noFill/>
+        </p:spPr>
+        <p:txBody>
+          <a:bodyPr wrap="none" rtlCol="0">
+            <a:spAutoFit/>
+          </a:bodyPr>
+          <a:lstStyle/>
+          <a:p>
+            <a:r>
+              <a:rPr lang="en-US" b="1" dirty="0"/>
+              <a:t>MQTT CLIENT 1</a:t>
+            </a:r>
+            <a:endParaRPr lang="en-IN" b="1" dirty="0"/>
+          </a:p>
+        </p:txBody>
+      </p:sp>
+      <p:cxnSp>
+        <p:nvCxnSpPr>
+          <p:cNvPr id="38" name="Straight Arrow Connector 37">
+            <a:extLst>
+              <a:ext uri="{FF2B5EF4-FFF2-40B4-BE49-F238E27FC236}">
+                <a16:creationId xmlns:a16="http://schemas.microsoft.com/office/drawing/2014/main" id="{63D858FE-93BC-4CAC-8168-D10B08020C4B}"/>
+              </a:ext>
+            </a:extLst>
+          </p:cNvPr>
+          <p:cNvCxnSpPr>
+            <a:cxnSpLocks/>
+            <a:endCxn id="9" idx="1"/>
+          </p:cNvCxnSpPr>
+          <p:nvPr/>
+        </p:nvCxnSpPr>
+        <p:spPr>
+          <a:xfrm>
+            <a:off x="7876001" y="4850805"/>
+            <a:ext cx="1864629" cy="688416"/>
+          </a:xfrm>
+          <a:prstGeom prst="straightConnector1">
+            <a:avLst/>
+          </a:prstGeom>
+          <a:ln>
+            <a:tailEnd type="triangle"/>
+          </a:ln>
+          <a:effectLst/>
+        </p:spPr>
+        <p:style>
+          <a:lnRef idx="3">
+            <a:schemeClr val="dk1"/>
+          </a:lnRef>
+          <a:fillRef idx="0">
+            <a:schemeClr val="dk1"/>
+          </a:fillRef>
+          <a:effectRef idx="2">
+            <a:schemeClr val="dk1"/>
+          </a:effectRef>
+          <a:fontRef idx="minor">
+            <a:schemeClr val="tx1"/>
+          </a:fontRef>
+        </p:style>
+      </p:cxnSp>
+      <p:sp>
+        <p:nvSpPr>
+          <p:cNvPr id="43" name="TextBox 42">
+            <a:extLst>
+              <a:ext uri="{FF2B5EF4-FFF2-40B4-BE49-F238E27FC236}">
+                <a16:creationId xmlns:a16="http://schemas.microsoft.com/office/drawing/2014/main" id="{6C20CDFD-6A11-464B-8010-B1A449B2E1AB}"/>
+              </a:ext>
+            </a:extLst>
+          </p:cNvPr>
+          <p:cNvSpPr txBox="1"/>
+          <p:nvPr/>
+        </p:nvSpPr>
+        <p:spPr>
+          <a:xfrm rot="1269281">
+            <a:off x="8086689" y="5208057"/>
+            <a:ext cx="1447832" cy="369332"/>
+          </a:xfrm>
+          <a:prstGeom prst="rect">
+            <a:avLst/>
+          </a:prstGeom>
+          <a:noFill/>
+        </p:spPr>
+        <p:txBody>
+          <a:bodyPr wrap="none" rtlCol="0">
+            <a:spAutoFit/>
+          </a:bodyPr>
+          <a:lstStyle/>
+          <a:p>
+            <a:r>
+              <a:rPr lang="en-US" dirty="0"/>
+              <a:t>SUBSCRIBES</a:t>
+            </a:r>
+            <a:endParaRPr lang="en-IN" dirty="0"/>
+          </a:p>
+        </p:txBody>
+      </p:sp>
+      <p:sp>
+        <p:nvSpPr>
+          <p:cNvPr id="27" name="TextBox 26">
+            <a:extLst>
+              <a:ext uri="{FF2B5EF4-FFF2-40B4-BE49-F238E27FC236}">
+                <a16:creationId xmlns:a16="http://schemas.microsoft.com/office/drawing/2014/main" id="{D2E3C0E4-1182-4CF7-B973-51C269A3F25F}"/>
+              </a:ext>
+            </a:extLst>
+          </p:cNvPr>
+          <p:cNvSpPr txBox="1"/>
+          <p:nvPr/>
+        </p:nvSpPr>
+        <p:spPr>
+          <a:xfrm>
+            <a:off x="4163269" y="3643663"/>
+            <a:ext cx="3858749" cy="646331"/>
+          </a:xfrm>
+          <a:prstGeom prst="rect">
+            <a:avLst/>
+          </a:prstGeom>
+          <a:noFill/>
+        </p:spPr>
+        <p:txBody>
+          <a:bodyPr wrap="none" rtlCol="0">
+            <a:spAutoFit/>
+          </a:bodyPr>
+          <a:lstStyle/>
+          <a:p>
+            <a:r>
+              <a:rPr lang="en-IN" dirty="0"/>
+              <a:t>$</a:t>
+            </a:r>
+            <a:r>
+              <a:rPr lang="en-IN" dirty="0" err="1"/>
+              <a:t>aws</a:t>
+            </a:r>
+            <a:r>
+              <a:rPr lang="en-IN" dirty="0"/>
+              <a:t>/things/</a:t>
+            </a:r>
+            <a:r>
+              <a:rPr lang="en-IN" dirty="0" err="1"/>
+              <a:t>testThing</a:t>
+            </a:r>
+            <a:r>
+              <a:rPr lang="en-IN" dirty="0"/>
+              <a:t>/shadow/update</a:t>
+            </a:r>
+          </a:p>
+          <a:p>
+            <a:endParaRPr lang="en-IN" dirty="0"/>
+          </a:p>
+        </p:txBody>
+      </p:sp>
+      <p:sp>
+        <p:nvSpPr>
+          <p:cNvPr id="29" name="Rectangle 28">
+            <a:extLst>
+              <a:ext uri="{FF2B5EF4-FFF2-40B4-BE49-F238E27FC236}">
+                <a16:creationId xmlns:a16="http://schemas.microsoft.com/office/drawing/2014/main" id="{54C11F0D-2CE8-4376-9FC8-1E6632824A4D}"/>
+              </a:ext>
+            </a:extLst>
+          </p:cNvPr>
+          <p:cNvSpPr/>
+          <p:nvPr/>
+        </p:nvSpPr>
+        <p:spPr>
+          <a:xfrm>
+            <a:off x="4171656" y="4190687"/>
+            <a:ext cx="3949547" cy="646331"/>
+          </a:xfrm>
+          <a:prstGeom prst="rect">
+            <a:avLst/>
+          </a:prstGeom>
+        </p:spPr>
+        <p:txBody>
+          <a:bodyPr wrap="square">
+            <a:spAutoFit/>
+          </a:bodyPr>
+          <a:lstStyle/>
+          <a:p>
+            <a:pPr algn="ctr"/>
+            <a:r>
+              <a:rPr lang="en-IN" dirty="0"/>
+              <a:t>$</a:t>
+            </a:r>
+            <a:r>
+              <a:rPr lang="en-IN" dirty="0" err="1"/>
+              <a:t>aws</a:t>
+            </a:r>
+            <a:r>
+              <a:rPr lang="en-IN" dirty="0"/>
+              <a:t>/things/</a:t>
+            </a:r>
+            <a:r>
+              <a:rPr lang="en-IN" dirty="0" err="1"/>
+              <a:t>testThing</a:t>
+            </a:r>
+            <a:r>
+              <a:rPr lang="en-IN" dirty="0"/>
+              <a:t>/shadow/update/accepted</a:t>
+            </a:r>
+          </a:p>
+        </p:txBody>
+      </p:sp>
+    </p:spTree>
+    <p:extLst>
+      <p:ext uri="{BB962C8B-B14F-4D97-AF65-F5344CB8AC3E}">
+        <p14:creationId xmlns:p14="http://schemas.microsoft.com/office/powerpoint/2010/main" val="110627075"/>
+      </p:ext>
+    </p:extLst>
+  </p:cSld>
+  <p:clrMapOvr>
+    <a:masterClrMapping/>
+  </p:clrMapOvr>
+</p:sld>
+</file>
+
+<file path=ppt/slides/slide7.xml><?xml version="1.0" encoding="utf-8"?>
 <p:sld xmlns:a="http://schemas.openxmlformats.org/drawingml/2006/main" xmlns:r="http://schemas.openxmlformats.org/officeDocument/2006/relationships" xmlns:p="http://schemas.openxmlformats.org/presentationml/2006/main">
   <p:cSld>
     <p:spTree>
